--- a/report/LR&ME_zkli.pptx
+++ b/report/LR&ME_zkli.pptx
@@ -281,7 +281,7 @@
           <a:p>
             <a:fld id="{827D045F-DD77-4C3E-A58D-3EC5BEB8E3DE}" type="datetimeFigureOut">
               <a:rPr lang="zh-CN" altLang="en-US" smtClean="0"/>
-              <a:t>2013/12/1</a:t>
+              <a:t>2015/8/30</a:t>
             </a:fld>
             <a:endParaRPr lang="zh-CN" altLang="en-US"/>
           </a:p>
@@ -447,7 +447,7 @@
           <a:p>
             <a:fld id="{2B32A016-3F54-4029-B607-AEA02506B4A6}" type="datetimeFigureOut">
               <a:rPr lang="zh-CN" altLang="en-US" smtClean="0"/>
-              <a:t>2013/12/1</a:t>
+              <a:t>2015/8/30</a:t>
             </a:fld>
             <a:endParaRPr lang="zh-CN" altLang="en-US"/>
           </a:p>
@@ -2194,7 +2194,7 @@
           <a:p>
             <a:fld id="{4DF38EE1-3E27-4327-8629-F9498CA292B5}" type="datetime1">
               <a:rPr lang="zh-CN" altLang="en-US" smtClean="0"/>
-              <a:t>2013/12/1</a:t>
+              <a:t>2015/8/30</a:t>
             </a:fld>
             <a:endParaRPr lang="zh-CN" altLang="en-US"/>
           </a:p>
@@ -2453,7 +2453,7 @@
           <a:p>
             <a:fld id="{7A5A7484-AF4B-40FC-86FA-A5A19A7BDF30}" type="datetime1">
               <a:rPr lang="zh-CN" altLang="en-US" smtClean="0"/>
-              <a:t>2013/12/1</a:t>
+              <a:t>2015/8/30</a:t>
             </a:fld>
             <a:endParaRPr lang="zh-CN" altLang="en-US"/>
           </a:p>
@@ -2633,7 +2633,7 @@
           <a:p>
             <a:fld id="{8B4BC265-DAFE-4D2C-BB5B-31AC5C612772}" type="datetime1">
               <a:rPr lang="zh-CN" altLang="en-US" smtClean="0"/>
-              <a:t>2013/12/1</a:t>
+              <a:t>2015/8/30</a:t>
             </a:fld>
             <a:endParaRPr lang="zh-CN" altLang="en-US"/>
           </a:p>
@@ -2803,7 +2803,7 @@
           <a:p>
             <a:fld id="{859814A9-1D23-4D98-8C4C-D8C5E1FA1C06}" type="datetime1">
               <a:rPr lang="zh-CN" altLang="en-US" smtClean="0"/>
-              <a:t>2013/12/1</a:t>
+              <a:t>2015/8/30</a:t>
             </a:fld>
             <a:endParaRPr lang="zh-CN" altLang="en-US"/>
           </a:p>
@@ -3054,7 +3054,7 @@
           <a:p>
             <a:fld id="{BFEFDDEA-5B22-4AF7-AEB3-1BA618115826}" type="datetime1">
               <a:rPr lang="zh-CN" altLang="en-US" smtClean="0"/>
-              <a:t>2013/12/1</a:t>
+              <a:t>2015/8/30</a:t>
             </a:fld>
             <a:endParaRPr lang="zh-CN" altLang="en-US"/>
           </a:p>
@@ -3343,7 +3343,7 @@
           <a:p>
             <a:fld id="{06A4CD65-B57B-4472-BE19-ACBA62309C5D}" type="datetime1">
               <a:rPr lang="zh-CN" altLang="en-US" smtClean="0"/>
-              <a:t>2013/12/1</a:t>
+              <a:t>2015/8/30</a:t>
             </a:fld>
             <a:endParaRPr lang="zh-CN" altLang="en-US"/>
           </a:p>
@@ -3766,7 +3766,7 @@
           <a:p>
             <a:fld id="{39E68ED1-DBE0-4099-BD59-4D5F3A0DD30B}" type="datetime1">
               <a:rPr lang="zh-CN" altLang="en-US" smtClean="0"/>
-              <a:t>2013/12/1</a:t>
+              <a:t>2015/8/30</a:t>
             </a:fld>
             <a:endParaRPr lang="zh-CN" altLang="en-US"/>
           </a:p>
@@ -3885,7 +3885,7 @@
           <a:p>
             <a:fld id="{6151B552-7B2B-420B-9889-2E51F1AF5DE2}" type="datetime1">
               <a:rPr lang="zh-CN" altLang="en-US" smtClean="0"/>
-              <a:t>2013/12/1</a:t>
+              <a:t>2015/8/30</a:t>
             </a:fld>
             <a:endParaRPr lang="zh-CN" altLang="en-US"/>
           </a:p>
@@ -3981,7 +3981,7 @@
           <a:p>
             <a:fld id="{E78B5725-090E-46C9-A0FB-62A05A8A57FB}" type="datetime1">
               <a:rPr lang="zh-CN" altLang="en-US" smtClean="0"/>
-              <a:t>2013/12/1</a:t>
+              <a:t>2015/8/30</a:t>
             </a:fld>
             <a:endParaRPr lang="zh-CN" altLang="en-US"/>
           </a:p>
@@ -4263,7 +4263,7 @@
           <a:p>
             <a:fld id="{3FB3EEB8-3FBB-4992-84C1-EBB37B3CB3E5}" type="datetime1">
               <a:rPr lang="zh-CN" altLang="en-US" smtClean="0"/>
-              <a:t>2013/12/1</a:t>
+              <a:t>2015/8/30</a:t>
             </a:fld>
             <a:endParaRPr lang="zh-CN" altLang="en-US"/>
           </a:p>
@@ -4517,7 +4517,7 @@
           <a:p>
             <a:fld id="{3E21B6EC-41C2-4B7B-B95E-94AB0A1B625B}" type="datetime1">
               <a:rPr lang="zh-CN" altLang="en-US" smtClean="0"/>
-              <a:t>2013/12/1</a:t>
+              <a:t>2015/8/30</a:t>
             </a:fld>
             <a:endParaRPr lang="zh-CN" altLang="en-US"/>
           </a:p>
@@ -4762,7 +4762,7 @@
           <a:p>
             <a:fld id="{9D71784C-345E-452D-9AE4-6D4296D6F393}" type="datetime1">
               <a:rPr lang="zh-CN" altLang="en-US" smtClean="0"/>
-              <a:t>2013/12/1</a:t>
+              <a:t>2015/8/30</a:t>
             </a:fld>
             <a:endParaRPr lang="zh-CN" altLang="en-US"/>
           </a:p>
@@ -7406,7 +7406,7 @@
           <a:graphicData uri="http://schemas.openxmlformats.org/presentationml/2006/ole">
             <mc:AlternateContent xmlns:mc="http://schemas.openxmlformats.org/markup-compatibility/2006">
               <mc:Choice xmlns:v="urn:schemas-microsoft-com:vml" Requires="v">
-                <p:oleObj spid="_x0000_s2189" name="Equation" r:id="rId4" imgW="2108200" imgH="419100" progId="Equation.DSMT4">
+                <p:oleObj spid="_x0000_s2190" name="Equation" r:id="rId4" imgW="2108200" imgH="419100" progId="Equation.DSMT4">
                   <p:embed/>
                 </p:oleObj>
               </mc:Choice>
@@ -8159,7 +8159,7 @@
           <a:graphicData uri="http://schemas.openxmlformats.org/presentationml/2006/ole">
             <mc:AlternateContent xmlns:mc="http://schemas.openxmlformats.org/markup-compatibility/2006">
               <mc:Choice xmlns:v="urn:schemas-microsoft-com:vml" Requires="v">
-                <p:oleObj spid="_x0000_s3294" name="Equation" r:id="rId3" imgW="1358900" imgH="419100" progId="Equation.DSMT4">
+                <p:oleObj spid="_x0000_s3296" name="Equation" r:id="rId3" imgW="1358900" imgH="419100" progId="Equation.DSMT4">
                   <p:embed/>
                 </p:oleObj>
               </mc:Choice>
@@ -8258,7 +8258,7 @@
           <a:graphicData uri="http://schemas.openxmlformats.org/presentationml/2006/ole">
             <mc:AlternateContent xmlns:mc="http://schemas.openxmlformats.org/markup-compatibility/2006">
               <mc:Choice xmlns:v="urn:schemas-microsoft-com:vml" Requires="v">
-                <p:oleObj spid="_x0000_s3295" name="Equation" r:id="rId5" imgW="3708400" imgH="939800" progId="Equation.DSMT4">
+                <p:oleObj spid="_x0000_s3297" name="Equation" r:id="rId5" imgW="3708400" imgH="939800" progId="Equation.DSMT4">
                   <p:embed/>
                 </p:oleObj>
               </mc:Choice>
@@ -17634,7 +17634,7 @@
           <a:graphicData uri="http://schemas.openxmlformats.org/presentationml/2006/ole">
             <mc:AlternateContent xmlns:mc="http://schemas.openxmlformats.org/markup-compatibility/2006">
               <mc:Choice xmlns:v="urn:schemas-microsoft-com:vml" Requires="v">
-                <p:oleObj spid="_x0000_s8263" r:id="rId4" imgW="1474281" imgH="457560" progId="Equation.3">
+                <p:oleObj spid="_x0000_s8264" r:id="rId4" imgW="1474281" imgH="457560" progId="Equation.3">
                   <p:embed/>
                 </p:oleObj>
               </mc:Choice>
@@ -19376,7 +19376,7 @@
           <a:graphicData uri="http://schemas.openxmlformats.org/presentationml/2006/ole">
             <mc:AlternateContent xmlns:mc="http://schemas.openxmlformats.org/markup-compatibility/2006">
               <mc:Choice xmlns:v="urn:schemas-microsoft-com:vml" Requires="v">
-                <p:oleObj spid="_x0000_s13508" name="Equation" r:id="rId3" imgW="1663700" imgH="368300" progId="Equation.3">
+                <p:oleObj spid="_x0000_s13511" name="Equation" r:id="rId3" imgW="1663700" imgH="368300" progId="Equation.3">
                   <p:embed/>
                 </p:oleObj>
               </mc:Choice>
@@ -19475,7 +19475,7 @@
           <a:graphicData uri="http://schemas.openxmlformats.org/presentationml/2006/ole">
             <mc:AlternateContent xmlns:mc="http://schemas.openxmlformats.org/markup-compatibility/2006">
               <mc:Choice xmlns:v="urn:schemas-microsoft-com:vml" Requires="v">
-                <p:oleObj spid="_x0000_s13509" name="Equation" r:id="rId5" imgW="3505200" imgH="419100" progId="Equation.3">
+                <p:oleObj spid="_x0000_s13512" name="Equation" r:id="rId5" imgW="3505200" imgH="419100" progId="Equation.3">
                   <p:embed/>
                 </p:oleObj>
               </mc:Choice>
@@ -19574,7 +19574,7 @@
           <a:graphicData uri="http://schemas.openxmlformats.org/presentationml/2006/ole">
             <mc:AlternateContent xmlns:mc="http://schemas.openxmlformats.org/markup-compatibility/2006">
               <mc:Choice xmlns:v="urn:schemas-microsoft-com:vml" Requires="v">
-                <p:oleObj spid="_x0000_s13510" name="Equation" r:id="rId7" imgW="1651000" imgH="444500" progId="Equation.3">
+                <p:oleObj spid="_x0000_s13513" name="Equation" r:id="rId7" imgW="1651000" imgH="444500" progId="Equation.3">
                   <p:embed/>
                 </p:oleObj>
               </mc:Choice>
@@ -19825,7 +19825,7 @@
           <a:graphicData uri="http://schemas.openxmlformats.org/presentationml/2006/ole">
             <mc:AlternateContent xmlns:mc="http://schemas.openxmlformats.org/markup-compatibility/2006">
               <mc:Choice xmlns:v="urn:schemas-microsoft-com:vml" Requires="v">
-                <p:oleObj spid="_x0000_s14734" name="Equation" r:id="rId4" imgW="1663700" imgH="368300" progId="Equation.3">
+                <p:oleObj spid="_x0000_s14740" name="Equation" r:id="rId4" imgW="1663700" imgH="368300" progId="Equation.3">
                   <p:embed/>
                 </p:oleObj>
               </mc:Choice>
@@ -19924,7 +19924,7 @@
           <a:graphicData uri="http://schemas.openxmlformats.org/presentationml/2006/ole">
             <mc:AlternateContent xmlns:mc="http://schemas.openxmlformats.org/markup-compatibility/2006">
               <mc:Choice xmlns:v="urn:schemas-microsoft-com:vml" Requires="v">
-                <p:oleObj spid="_x0000_s14735" name="Equation" r:id="rId6" imgW="1384300" imgH="330200" progId="Equation.3">
+                <p:oleObj spid="_x0000_s14741" name="Equation" r:id="rId6" imgW="1384300" imgH="330200" progId="Equation.3">
                   <p:embed/>
                 </p:oleObj>
               </mc:Choice>
@@ -20023,7 +20023,7 @@
           <a:graphicData uri="http://schemas.openxmlformats.org/presentationml/2006/ole">
             <mc:AlternateContent xmlns:mc="http://schemas.openxmlformats.org/markup-compatibility/2006">
               <mc:Choice xmlns:v="urn:schemas-microsoft-com:vml" Requires="v">
-                <p:oleObj spid="_x0000_s14736" name="Equation" r:id="rId8" imgW="1054100" imgH="457200" progId="Equation.3">
+                <p:oleObj spid="_x0000_s14742" name="Equation" r:id="rId8" imgW="1054100" imgH="457200" progId="Equation.3">
                   <p:embed/>
                 </p:oleObj>
               </mc:Choice>
@@ -20122,7 +20122,7 @@
           <a:graphicData uri="http://schemas.openxmlformats.org/presentationml/2006/ole">
             <mc:AlternateContent xmlns:mc="http://schemas.openxmlformats.org/markup-compatibility/2006">
               <mc:Choice xmlns:v="urn:schemas-microsoft-com:vml" Requires="v">
-                <p:oleObj spid="_x0000_s14737" name="Equation" r:id="rId10" imgW="1028700" imgH="660400" progId="Equation.3">
+                <p:oleObj spid="_x0000_s14743" name="Equation" r:id="rId10" imgW="1028700" imgH="660400" progId="Equation.3">
                   <p:embed/>
                 </p:oleObj>
               </mc:Choice>
@@ -20221,7 +20221,7 @@
           <a:graphicData uri="http://schemas.openxmlformats.org/presentationml/2006/ole">
             <mc:AlternateContent xmlns:mc="http://schemas.openxmlformats.org/markup-compatibility/2006">
               <mc:Choice xmlns:v="urn:schemas-microsoft-com:vml" Requires="v">
-                <p:oleObj spid="_x0000_s14738" name="Equation" r:id="rId12" imgW="1663700" imgH="444500" progId="Equation.3">
+                <p:oleObj spid="_x0000_s14744" name="Equation" r:id="rId12" imgW="1663700" imgH="444500" progId="Equation.3">
                   <p:embed/>
                 </p:oleObj>
               </mc:Choice>
@@ -20320,7 +20320,7 @@
           <a:graphicData uri="http://schemas.openxmlformats.org/presentationml/2006/ole">
             <mc:AlternateContent xmlns:mc="http://schemas.openxmlformats.org/markup-compatibility/2006">
               <mc:Choice xmlns:v="urn:schemas-microsoft-com:vml" Requires="v">
-                <p:oleObj spid="_x0000_s14739" name="Equation" r:id="rId14" imgW="1231900" imgH="457200" progId="Equation.3">
+                <p:oleObj spid="_x0000_s14745" name="Equation" r:id="rId14" imgW="1231900" imgH="457200" progId="Equation.3">
                   <p:embed/>
                 </p:oleObj>
               </mc:Choice>
@@ -20687,7 +20687,7 @@
           <a:graphicData uri="http://schemas.openxmlformats.org/presentationml/2006/ole">
             <mc:AlternateContent xmlns:mc="http://schemas.openxmlformats.org/markup-compatibility/2006">
               <mc:Choice xmlns:v="urn:schemas-microsoft-com:vml" Requires="v">
-                <p:oleObj spid="_x0000_s15426" name="Equation" r:id="rId3" imgW="1663700" imgH="444500" progId="Equation.3">
+                <p:oleObj spid="_x0000_s15427" name="Equation" r:id="rId3" imgW="1663700" imgH="444500" progId="Equation.3">
                   <p:embed/>
                 </p:oleObj>
               </mc:Choice>
@@ -21124,7 +21124,7 @@
           <a:graphicData uri="http://schemas.openxmlformats.org/presentationml/2006/ole">
             <mc:AlternateContent xmlns:mc="http://schemas.openxmlformats.org/markup-compatibility/2006">
               <mc:Choice xmlns:v="urn:schemas-microsoft-com:vml" Requires="v">
-                <p:oleObj spid="_x0000_s16448" name="Equation" r:id="rId3" imgW="825480" imgH="457200" progId="Equation.3">
+                <p:oleObj spid="_x0000_s16449" name="Equation" r:id="rId3" imgW="825480" imgH="457200" progId="Equation.3">
                   <p:embed/>
                 </p:oleObj>
               </mc:Choice>
@@ -21505,7 +21505,7 @@
           <a:graphicData uri="http://schemas.openxmlformats.org/presentationml/2006/ole">
             <mc:AlternateContent xmlns:mc="http://schemas.openxmlformats.org/markup-compatibility/2006">
               <mc:Choice xmlns:v="urn:schemas-microsoft-com:vml" Requires="v">
-                <p:oleObj spid="_x0000_s17599" name="Equation" r:id="rId3" imgW="2743200" imgH="457200" progId="Equation.3">
+                <p:oleObj spid="_x0000_s17602" name="Equation" r:id="rId3" imgW="2743200" imgH="457200" progId="Equation.3">
                   <p:embed/>
                 </p:oleObj>
               </mc:Choice>
@@ -21803,7 +21803,7 @@
           <a:graphicData uri="http://schemas.openxmlformats.org/presentationml/2006/ole">
             <mc:AlternateContent xmlns:mc="http://schemas.openxmlformats.org/markup-compatibility/2006">
               <mc:Choice xmlns:v="urn:schemas-microsoft-com:vml" Requires="v">
-                <p:oleObj spid="_x0000_s17600" name="Equation" r:id="rId5" imgW="825480" imgH="291960" progId="Equation.3">
+                <p:oleObj spid="_x0000_s17603" name="Equation" r:id="rId5" imgW="825480" imgH="291960" progId="Equation.3">
                   <p:embed/>
                 </p:oleObj>
               </mc:Choice>
@@ -21896,7 +21896,7 @@
           <a:graphicData uri="http://schemas.openxmlformats.org/presentationml/2006/ole">
             <mc:AlternateContent xmlns:mc="http://schemas.openxmlformats.org/markup-compatibility/2006">
               <mc:Choice xmlns:v="urn:schemas-microsoft-com:vml" Requires="v">
-                <p:oleObj spid="_x0000_s17601" name="Equation" r:id="rId7" imgW="825480" imgH="291960" progId="Equation.3">
+                <p:oleObj spid="_x0000_s17604" name="Equation" r:id="rId7" imgW="825480" imgH="291960" progId="Equation.3">
                   <p:embed/>
                 </p:oleObj>
               </mc:Choice>
@@ -22558,7 +22558,7 @@
           <a:graphicData uri="http://schemas.openxmlformats.org/presentationml/2006/ole">
             <mc:AlternateContent xmlns:mc="http://schemas.openxmlformats.org/markup-compatibility/2006">
               <mc:Choice xmlns:v="urn:schemas-microsoft-com:vml" Requires="v">
-                <p:oleObj spid="_x0000_s18812" name="Equation" r:id="rId3" imgW="2743200" imgH="457200" progId="Equation.3">
+                <p:oleObj spid="_x0000_s18818" name="Equation" r:id="rId3" imgW="2743200" imgH="457200" progId="Equation.3">
                   <p:embed/>
                 </p:oleObj>
               </mc:Choice>
@@ -22651,7 +22651,7 @@
           <a:graphicData uri="http://schemas.openxmlformats.org/presentationml/2006/ole">
             <mc:AlternateContent xmlns:mc="http://schemas.openxmlformats.org/markup-compatibility/2006">
               <mc:Choice xmlns:v="urn:schemas-microsoft-com:vml" Requires="v">
-                <p:oleObj spid="_x0000_s18813" name="Equation" r:id="rId5" imgW="1346040" imgH="330120" progId="Equation.3">
+                <p:oleObj spid="_x0000_s18819" name="Equation" r:id="rId5" imgW="1346040" imgH="330120" progId="Equation.3">
                   <p:embed/>
                 </p:oleObj>
               </mc:Choice>
@@ -22744,7 +22744,7 @@
           <a:graphicData uri="http://schemas.openxmlformats.org/presentationml/2006/ole">
             <mc:AlternateContent xmlns:mc="http://schemas.openxmlformats.org/markup-compatibility/2006">
               <mc:Choice xmlns:v="urn:schemas-microsoft-com:vml" Requires="v">
-                <p:oleObj spid="_x0000_s18814" name="Equation" r:id="rId7" imgW="1333440" imgH="304560" progId="Equation.3">
+                <p:oleObj spid="_x0000_s18820" name="Equation" r:id="rId7" imgW="1333440" imgH="304560" progId="Equation.3">
                   <p:embed/>
                 </p:oleObj>
               </mc:Choice>
@@ -22837,7 +22837,7 @@
           <a:graphicData uri="http://schemas.openxmlformats.org/presentationml/2006/ole">
             <mc:AlternateContent xmlns:mc="http://schemas.openxmlformats.org/markup-compatibility/2006">
               <mc:Choice xmlns:v="urn:schemas-microsoft-com:vml" Requires="v">
-                <p:oleObj spid="_x0000_s18815" name="Equation" r:id="rId9" imgW="990360" imgH="457200" progId="Equation.3">
+                <p:oleObj spid="_x0000_s18821" name="Equation" r:id="rId9" imgW="990360" imgH="457200" progId="Equation.3">
                   <p:embed/>
                 </p:oleObj>
               </mc:Choice>
@@ -22930,7 +22930,7 @@
           <a:graphicData uri="http://schemas.openxmlformats.org/presentationml/2006/ole">
             <mc:AlternateContent xmlns:mc="http://schemas.openxmlformats.org/markup-compatibility/2006">
               <mc:Choice xmlns:v="urn:schemas-microsoft-com:vml" Requires="v">
-                <p:oleObj spid="_x0000_s18816" name="Equation" r:id="rId11" imgW="1091880" imgH="279360" progId="Equation.3">
+                <p:oleObj spid="_x0000_s18822" name="Equation" r:id="rId11" imgW="1091880" imgH="279360" progId="Equation.3">
                   <p:embed/>
                 </p:oleObj>
               </mc:Choice>
@@ -23029,7 +23029,7 @@
           <a:graphicData uri="http://schemas.openxmlformats.org/presentationml/2006/ole">
             <mc:AlternateContent xmlns:mc="http://schemas.openxmlformats.org/markup-compatibility/2006">
               <mc:Choice xmlns:v="urn:schemas-microsoft-com:vml" Requires="v">
-                <p:oleObj spid="_x0000_s18817" name="Equation" r:id="rId13" imgW="1396800" imgH="241200" progId="Equation.3">
+                <p:oleObj spid="_x0000_s18823" name="Equation" r:id="rId13" imgW="1396800" imgH="241200" progId="Equation.3">
                   <p:embed/>
                 </p:oleObj>
               </mc:Choice>
@@ -23677,7 +23677,7 @@
           <a:graphicData uri="http://schemas.openxmlformats.org/presentationml/2006/ole">
             <mc:AlternateContent xmlns:mc="http://schemas.openxmlformats.org/markup-compatibility/2006">
               <mc:Choice xmlns:v="urn:schemas-microsoft-com:vml" Requires="v">
-                <p:oleObj spid="_x0000_s19836" name="Equation" r:id="rId3" imgW="2857320" imgH="457200" progId="Equation.3">
+                <p:oleObj spid="_x0000_s19842" name="Equation" r:id="rId3" imgW="2857320" imgH="457200" progId="Equation.3">
                   <p:embed/>
                 </p:oleObj>
               </mc:Choice>
@@ -23770,7 +23770,7 @@
           <a:graphicData uri="http://schemas.openxmlformats.org/presentationml/2006/ole">
             <mc:AlternateContent xmlns:mc="http://schemas.openxmlformats.org/markup-compatibility/2006">
               <mc:Choice xmlns:v="urn:schemas-microsoft-com:vml" Requires="v">
-                <p:oleObj spid="_x0000_s19837" name="Equation" r:id="rId5" imgW="1346040" imgH="330120" progId="Equation.3">
+                <p:oleObj spid="_x0000_s19843" name="Equation" r:id="rId5" imgW="1346040" imgH="330120" progId="Equation.3">
                   <p:embed/>
                 </p:oleObj>
               </mc:Choice>
@@ -23863,7 +23863,7 @@
           <a:graphicData uri="http://schemas.openxmlformats.org/presentationml/2006/ole">
             <mc:AlternateContent xmlns:mc="http://schemas.openxmlformats.org/markup-compatibility/2006">
               <mc:Choice xmlns:v="urn:schemas-microsoft-com:vml" Requires="v">
-                <p:oleObj spid="_x0000_s19838" name="Equation" r:id="rId7" imgW="1333440" imgH="304560" progId="Equation.3">
+                <p:oleObj spid="_x0000_s19844" name="Equation" r:id="rId7" imgW="1333440" imgH="304560" progId="Equation.3">
                   <p:embed/>
                 </p:oleObj>
               </mc:Choice>
@@ -23956,7 +23956,7 @@
           <a:graphicData uri="http://schemas.openxmlformats.org/presentationml/2006/ole">
             <mc:AlternateContent xmlns:mc="http://schemas.openxmlformats.org/markup-compatibility/2006">
               <mc:Choice xmlns:v="urn:schemas-microsoft-com:vml" Requires="v">
-                <p:oleObj spid="_x0000_s19839" name="Equation" r:id="rId9" imgW="1015920" imgH="457200" progId="Equation.3">
+                <p:oleObj spid="_x0000_s19845" name="Equation" r:id="rId9" imgW="1015920" imgH="457200" progId="Equation.3">
                   <p:embed/>
                 </p:oleObj>
               </mc:Choice>
@@ -24049,7 +24049,7 @@
           <a:graphicData uri="http://schemas.openxmlformats.org/presentationml/2006/ole">
             <mc:AlternateContent xmlns:mc="http://schemas.openxmlformats.org/markup-compatibility/2006">
               <mc:Choice xmlns:v="urn:schemas-microsoft-com:vml" Requires="v">
-                <p:oleObj spid="_x0000_s19840" name="Equation" r:id="rId11" imgW="1091880" imgH="279360" progId="Equation.3">
+                <p:oleObj spid="_x0000_s19846" name="Equation" r:id="rId11" imgW="1091880" imgH="279360" progId="Equation.3">
                   <p:embed/>
                 </p:oleObj>
               </mc:Choice>
@@ -24148,7 +24148,7 @@
           <a:graphicData uri="http://schemas.openxmlformats.org/presentationml/2006/ole">
             <mc:AlternateContent xmlns:mc="http://schemas.openxmlformats.org/markup-compatibility/2006">
               <mc:Choice xmlns:v="urn:schemas-microsoft-com:vml" Requires="v">
-                <p:oleObj spid="_x0000_s19841" name="Equation" r:id="rId13" imgW="1384200" imgH="241200" progId="Equation.3">
+                <p:oleObj spid="_x0000_s19847" name="Equation" r:id="rId13" imgW="1384200" imgH="241200" progId="Equation.3">
                   <p:embed/>
                 </p:oleObj>
               </mc:Choice>
@@ -24869,7 +24869,7 @@
           <a:graphicData uri="http://schemas.openxmlformats.org/presentationml/2006/ole">
             <mc:AlternateContent xmlns:mc="http://schemas.openxmlformats.org/markup-compatibility/2006">
               <mc:Choice xmlns:v="urn:schemas-microsoft-com:vml" Requires="v">
-                <p:oleObj spid="_x0000_s20606" name="Equation" r:id="rId3" imgW="1765080" imgH="291960" progId="Equation.3">
+                <p:oleObj spid="_x0000_s20608" name="Equation" r:id="rId3" imgW="1765080" imgH="291960" progId="Equation.3">
                   <p:embed/>
                 </p:oleObj>
               </mc:Choice>
@@ -25174,7 +25174,7 @@
           <a:graphicData uri="http://schemas.openxmlformats.org/presentationml/2006/ole">
             <mc:AlternateContent xmlns:mc="http://schemas.openxmlformats.org/markup-compatibility/2006">
               <mc:Choice xmlns:v="urn:schemas-microsoft-com:vml" Requires="v">
-                <p:oleObj spid="_x0000_s20607" name="Equation" r:id="rId5" imgW="1777680" imgH="241200" progId="Equation.3">
+                <p:oleObj spid="_x0000_s20609" name="Equation" r:id="rId5" imgW="1777680" imgH="241200" progId="Equation.3">
                   <p:embed/>
                 </p:oleObj>
               </mc:Choice>
@@ -25705,7 +25705,7 @@
           <a:graphicData uri="http://schemas.openxmlformats.org/presentationml/2006/ole">
             <mc:AlternateContent xmlns:mc="http://schemas.openxmlformats.org/markup-compatibility/2006">
               <mc:Choice xmlns:v="urn:schemas-microsoft-com:vml" Requires="v">
-                <p:oleObj spid="_x0000_s21628" name="Equation" r:id="rId3" imgW="2145960" imgH="990360" progId="Equation.3">
+                <p:oleObj spid="_x0000_s21630" name="Equation" r:id="rId3" imgW="2145960" imgH="990360" progId="Equation.3">
                   <p:embed/>
                 </p:oleObj>
               </mc:Choice>
@@ -25798,7 +25798,7 @@
           <a:graphicData uri="http://schemas.openxmlformats.org/presentationml/2006/ole">
             <mc:AlternateContent xmlns:mc="http://schemas.openxmlformats.org/markup-compatibility/2006">
               <mc:Choice xmlns:v="urn:schemas-microsoft-com:vml" Requires="v">
-                <p:oleObj spid="_x0000_s21629" name="Equation" r:id="rId5" imgW="1663560" imgH="444240" progId="Equation.3">
+                <p:oleObj spid="_x0000_s21631" name="Equation" r:id="rId5" imgW="1663560" imgH="444240" progId="Equation.3">
                   <p:embed/>
                 </p:oleObj>
               </mc:Choice>
@@ -26552,7 +26552,7 @@
           <a:graphicData uri="http://schemas.openxmlformats.org/presentationml/2006/ole">
             <mc:AlternateContent xmlns:mc="http://schemas.openxmlformats.org/markup-compatibility/2006">
               <mc:Choice xmlns:v="urn:schemas-microsoft-com:vml" Requires="v">
-                <p:oleObj spid="_x0000_s22591" name="Equation" r:id="rId3" imgW="2286000" imgH="431800" progId="Equation.3">
+                <p:oleObj spid="_x0000_s22592" name="Equation" r:id="rId3" imgW="2286000" imgH="431800" progId="Equation.3">
                   <p:embed/>
                 </p:oleObj>
               </mc:Choice>
@@ -27267,7 +27267,7 @@
           <a:graphicData uri="http://schemas.openxmlformats.org/presentationml/2006/ole">
             <mc:AlternateContent xmlns:mc="http://schemas.openxmlformats.org/markup-compatibility/2006">
               <mc:Choice xmlns:v="urn:schemas-microsoft-com:vml" Requires="v">
-                <p:oleObj spid="_x0000_s23793" name="Equation" r:id="rId3" imgW="901309" imgH="241195" progId="Equation.3">
+                <p:oleObj spid="_x0000_s23797" name="Equation" r:id="rId3" imgW="901309" imgH="241195" progId="Equation.3">
                   <p:embed/>
                 </p:oleObj>
               </mc:Choice>
@@ -27360,7 +27360,7 @@
           <a:graphicData uri="http://schemas.openxmlformats.org/presentationml/2006/ole">
             <mc:AlternateContent xmlns:mc="http://schemas.openxmlformats.org/markup-compatibility/2006">
               <mc:Choice xmlns:v="urn:schemas-microsoft-com:vml" Requires="v">
-                <p:oleObj spid="_x0000_s23794" name="Equation" r:id="rId5" imgW="1472561" imgH="317362" progId="Equation.3">
+                <p:oleObj spid="_x0000_s23798" name="Equation" r:id="rId5" imgW="1472561" imgH="317362" progId="Equation.3">
                   <p:embed/>
                 </p:oleObj>
               </mc:Choice>
@@ -27459,7 +27459,7 @@
           <a:graphicData uri="http://schemas.openxmlformats.org/presentationml/2006/ole">
             <mc:AlternateContent xmlns:mc="http://schemas.openxmlformats.org/markup-compatibility/2006">
               <mc:Choice xmlns:v="urn:schemas-microsoft-com:vml" Requires="v">
-                <p:oleObj spid="_x0000_s23795" name="Equation" r:id="rId7" imgW="1028700" imgH="368300" progId="Equation.3">
+                <p:oleObj spid="_x0000_s23799" name="Equation" r:id="rId7" imgW="1028700" imgH="368300" progId="Equation.3">
                   <p:embed/>
                 </p:oleObj>
               </mc:Choice>
@@ -27558,7 +27558,7 @@
           <a:graphicData uri="http://schemas.openxmlformats.org/presentationml/2006/ole">
             <mc:AlternateContent xmlns:mc="http://schemas.openxmlformats.org/markup-compatibility/2006">
               <mc:Choice xmlns:v="urn:schemas-microsoft-com:vml" Requires="v">
-                <p:oleObj spid="_x0000_s23796" name="Equation" r:id="rId9" imgW="1841500" imgH="482600" progId="Equation.3">
+                <p:oleObj spid="_x0000_s23800" name="Equation" r:id="rId9" imgW="1841500" imgH="482600" progId="Equation.3">
                   <p:embed/>
                 </p:oleObj>
               </mc:Choice>
@@ -28129,7 +28129,7 @@
           <a:graphicData uri="http://schemas.openxmlformats.org/presentationml/2006/ole">
             <mc:AlternateContent xmlns:mc="http://schemas.openxmlformats.org/markup-compatibility/2006">
               <mc:Choice xmlns:v="urn:schemas-microsoft-com:vml" Requires="v">
-                <p:oleObj spid="_x0000_s24746" name="Equation" r:id="rId3" imgW="1028700" imgH="368300" progId="Equation.3">
+                <p:oleObj spid="_x0000_s24749" name="Equation" r:id="rId3" imgW="1028700" imgH="368300" progId="Equation.3">
                   <p:embed/>
                 </p:oleObj>
               </mc:Choice>
@@ -28404,7 +28404,7 @@
           <a:graphicData uri="http://schemas.openxmlformats.org/presentationml/2006/ole">
             <mc:AlternateContent xmlns:mc="http://schemas.openxmlformats.org/markup-compatibility/2006">
               <mc:Choice xmlns:v="urn:schemas-microsoft-com:vml" Requires="v">
-                <p:oleObj spid="_x0000_s24747" name="Equation" r:id="rId5" imgW="2489200" imgH="457200" progId="Equation.3">
+                <p:oleObj spid="_x0000_s24750" name="Equation" r:id="rId5" imgW="2489200" imgH="457200" progId="Equation.3">
                   <p:embed/>
                 </p:oleObj>
               </mc:Choice>
@@ -28497,7 +28497,7 @@
           <a:graphicData uri="http://schemas.openxmlformats.org/presentationml/2006/ole">
             <mc:AlternateContent xmlns:mc="http://schemas.openxmlformats.org/markup-compatibility/2006">
               <mc:Choice xmlns:v="urn:schemas-microsoft-com:vml" Requires="v">
-                <p:oleObj spid="_x0000_s24748" name="Equation" r:id="rId7" imgW="1841500" imgH="482600" progId="Equation.3">
+                <p:oleObj spid="_x0000_s24751" name="Equation" r:id="rId7" imgW="1841500" imgH="482600" progId="Equation.3">
                   <p:embed/>
                 </p:oleObj>
               </mc:Choice>
@@ -28883,7 +28883,7 @@
           <a:graphicData uri="http://schemas.openxmlformats.org/presentationml/2006/ole">
             <mc:AlternateContent xmlns:mc="http://schemas.openxmlformats.org/markup-compatibility/2006">
               <mc:Choice xmlns:v="urn:schemas-microsoft-com:vml" Requires="v">
-                <p:oleObj spid="_x0000_s25767" name="公式" r:id="rId3" imgW="1308100" imgH="457200" progId="Equation.3">
+                <p:oleObj spid="_x0000_s25769" name="公式" r:id="rId3" imgW="1308100" imgH="457200" progId="Equation.3">
                   <p:embed/>
                 </p:oleObj>
               </mc:Choice>
@@ -30188,7 +30188,7 @@
             <a:graphicData uri="http://schemas.openxmlformats.org/presentationml/2006/ole">
               <mc:AlternateContent xmlns:mc="http://schemas.openxmlformats.org/markup-compatibility/2006">
                 <mc:Choice xmlns:v="urn:schemas-microsoft-com:vml" Requires="v">
-                  <p:oleObj spid="_x0000_s25768" name="公式" r:id="rId6" imgW="3302000" imgH="1041400" progId="Equation.3">
+                  <p:oleObj spid="_x0000_s25770" name="公式" r:id="rId6" imgW="3302000" imgH="1041400" progId="Equation.3">
                     <p:embed/>
                   </p:oleObj>
                 </mc:Choice>
@@ -30677,7 +30677,7 @@
           <a:graphicData uri="http://schemas.openxmlformats.org/presentationml/2006/ole">
             <mc:AlternateContent xmlns:mc="http://schemas.openxmlformats.org/markup-compatibility/2006">
               <mc:Choice xmlns:v="urn:schemas-microsoft-com:vml" Requires="v">
-                <p:oleObj spid="_x0000_s26800" name="Equation" r:id="rId3" imgW="1308100" imgH="457200" progId="Equation.3">
+                <p:oleObj spid="_x0000_s26803" name="Equation" r:id="rId3" imgW="1308100" imgH="457200" progId="Equation.3">
                   <p:embed/>
                 </p:oleObj>
               </mc:Choice>
@@ -30953,7 +30953,7 @@
           <a:graphicData uri="http://schemas.openxmlformats.org/presentationml/2006/ole">
             <mc:AlternateContent xmlns:mc="http://schemas.openxmlformats.org/markup-compatibility/2006">
               <mc:Choice xmlns:v="urn:schemas-microsoft-com:vml" Requires="v">
-                <p:oleObj spid="_x0000_s26801" name="Equation" r:id="rId5" imgW="1828800" imgH="368300" progId="Equation.3">
+                <p:oleObj spid="_x0000_s26804" name="Equation" r:id="rId5" imgW="1828800" imgH="368300" progId="Equation.3">
                   <p:embed/>
                 </p:oleObj>
               </mc:Choice>
@@ -31046,7 +31046,7 @@
           <a:graphicData uri="http://schemas.openxmlformats.org/presentationml/2006/ole">
             <mc:AlternateContent xmlns:mc="http://schemas.openxmlformats.org/markup-compatibility/2006">
               <mc:Choice xmlns:v="urn:schemas-microsoft-com:vml" Requires="v">
-                <p:oleObj spid="_x0000_s26802" name="Equation" r:id="rId7" imgW="114151" imgH="215619" progId="Equation.3">
+                <p:oleObj spid="_x0000_s26805" name="Equation" r:id="rId7" imgW="114151" imgH="215619" progId="Equation.3">
                   <p:embed/>
                 </p:oleObj>
               </mc:Choice>
@@ -32335,7 +32335,7 @@
           <a:graphicData uri="http://schemas.openxmlformats.org/presentationml/2006/ole">
             <mc:AlternateContent xmlns:mc="http://schemas.openxmlformats.org/markup-compatibility/2006">
               <mc:Choice xmlns:v="urn:schemas-microsoft-com:vml" Requires="v">
-                <p:oleObj spid="_x0000_s29754" name="VISIO" r:id="rId3" imgW="3634740" imgH="950976" progId="Visio.Drawing.6">
+                <p:oleObj spid="_x0000_s29755" name="VISIO" r:id="rId3" imgW="3634740" imgH="950976" progId="Visio.Drawing.6">
                   <p:embed/>
                 </p:oleObj>
               </mc:Choice>
